--- a/Neural Network Interviews Slides.pptx
+++ b/Neural Network Interviews Slides.pptx
@@ -107,6 +107,11 @@
       </a:defRPr>
     </a:lvl9pPr>
   </p:defaultTextStyle>
+  <p:extLst>
+    <p:ext uri="{EFAFB233-063F-42B5-8137-9DF3F51BA10A}">
+      <p15:sldGuideLst xmlns:p15="http://schemas.microsoft.com/office/powerpoint/2012/main"/>
+    </p:ext>
+  </p:extLst>
 </p:presentation>
 </file>
 
@@ -833,7 +838,7 @@
             <a:fld id="{B61BEF0D-F0BB-DE4B-95CE-6DB70DBA9567}" type="datetimeFigureOut">
               <a:rPr lang="en-US" dirty="0"/>
               <a:pPr/>
-              <a:t>5/10/2019</a:t>
+              <a:t>5/14/2019</a:t>
             </a:fld>
             <a:endParaRPr lang="en-US" dirty="0"/>
           </a:p>
@@ -1081,7 +1086,7 @@
             <a:fld id="{B61BEF0D-F0BB-DE4B-95CE-6DB70DBA9567}" type="datetimeFigureOut">
               <a:rPr lang="en-US" dirty="0"/>
               <a:pPr/>
-              <a:t>5/10/2019</a:t>
+              <a:t>5/14/2019</a:t>
             </a:fld>
             <a:endParaRPr lang="en-US" dirty="0"/>
           </a:p>
@@ -1392,7 +1397,7 @@
             <a:fld id="{B61BEF0D-F0BB-DE4B-95CE-6DB70DBA9567}" type="datetimeFigureOut">
               <a:rPr lang="en-US" dirty="0"/>
               <a:pPr/>
-              <a:t>5/10/2019</a:t>
+              <a:t>5/14/2019</a:t>
             </a:fld>
             <a:endParaRPr lang="en-US" dirty="0"/>
           </a:p>
@@ -1730,7 +1735,7 @@
             <a:fld id="{B61BEF0D-F0BB-DE4B-95CE-6DB70DBA9567}" type="datetimeFigureOut">
               <a:rPr lang="en-US" dirty="0"/>
               <a:pPr/>
-              <a:t>5/10/2019</a:t>
+              <a:t>5/14/2019</a:t>
             </a:fld>
             <a:endParaRPr lang="en-US" dirty="0"/>
           </a:p>
@@ -2041,7 +2046,7 @@
             <a:fld id="{B61BEF0D-F0BB-DE4B-95CE-6DB70DBA9567}" type="datetimeFigureOut">
               <a:rPr lang="en-US" dirty="0"/>
               <a:pPr/>
-              <a:t>5/10/2019</a:t>
+              <a:t>5/14/2019</a:t>
             </a:fld>
             <a:endParaRPr lang="en-US" dirty="0"/>
           </a:p>
@@ -2431,7 +2436,7 @@
             <a:fld id="{B61BEF0D-F0BB-DE4B-95CE-6DB70DBA9567}" type="datetimeFigureOut">
               <a:rPr lang="en-US" dirty="0"/>
               <a:pPr/>
-              <a:t>5/10/2019</a:t>
+              <a:t>5/14/2019</a:t>
             </a:fld>
             <a:endParaRPr lang="en-US" dirty="0"/>
           </a:p>
@@ -2597,7 +2602,7 @@
           <a:p>
             <a:fld id="{55C6B4A9-1611-4792-9094-5F34BCA07E0B}" type="datetimeFigureOut">
               <a:rPr lang="en-US" dirty="0"/>
-              <a:t>5/10/2019</a:t>
+              <a:t>5/14/2019</a:t>
             </a:fld>
             <a:endParaRPr lang="en-US" dirty="0"/>
           </a:p>
@@ -2773,7 +2778,7 @@
             <a:fld id="{B61BEF0D-F0BB-DE4B-95CE-6DB70DBA9567}" type="datetimeFigureOut">
               <a:rPr lang="en-US" dirty="0"/>
               <a:pPr/>
-              <a:t>5/10/2019</a:t>
+              <a:t>5/14/2019</a:t>
             </a:fld>
             <a:endParaRPr lang="en-US" dirty="0"/>
           </a:p>
@@ -2946,7 +2951,7 @@
             <a:fld id="{B61BEF0D-F0BB-DE4B-95CE-6DB70DBA9567}" type="datetimeFigureOut">
               <a:rPr lang="en-US" dirty="0"/>
               <a:pPr/>
-              <a:t>5/10/2019</a:t>
+              <a:t>5/14/2019</a:t>
             </a:fld>
             <a:endParaRPr lang="en-US" dirty="0"/>
           </a:p>
@@ -3190,7 +3195,7 @@
             <a:fld id="{B61BEF0D-F0BB-DE4B-95CE-6DB70DBA9567}" type="datetimeFigureOut">
               <a:rPr lang="en-US" dirty="0"/>
               <a:pPr/>
-              <a:t>5/10/2019</a:t>
+              <a:t>5/14/2019</a:t>
             </a:fld>
             <a:endParaRPr lang="en-US" dirty="0"/>
           </a:p>
@@ -3418,7 +3423,7 @@
           <a:p>
             <a:fld id="{EB712588-04B1-427B-82EE-E8DB90309F08}" type="datetimeFigureOut">
               <a:rPr lang="en-US" dirty="0"/>
-              <a:t>5/10/2019</a:t>
+              <a:t>5/14/2019</a:t>
             </a:fld>
             <a:endParaRPr lang="en-US" dirty="0"/>
           </a:p>
@@ -3788,7 +3793,7 @@
             <a:fld id="{B61BEF0D-F0BB-DE4B-95CE-6DB70DBA9567}" type="datetimeFigureOut">
               <a:rPr lang="en-US" dirty="0"/>
               <a:pPr/>
-              <a:t>5/10/2019</a:t>
+              <a:t>5/14/2019</a:t>
             </a:fld>
             <a:endParaRPr lang="en-US" dirty="0"/>
           </a:p>
@@ -3908,7 +3913,7 @@
             <a:fld id="{B61BEF0D-F0BB-DE4B-95CE-6DB70DBA9567}" type="datetimeFigureOut">
               <a:rPr lang="en-US" dirty="0"/>
               <a:pPr/>
-              <a:t>5/10/2019</a:t>
+              <a:t>5/14/2019</a:t>
             </a:fld>
             <a:endParaRPr lang="en-US" dirty="0"/>
           </a:p>
@@ -4000,7 +4005,7 @@
             <a:fld id="{B61BEF0D-F0BB-DE4B-95CE-6DB70DBA9567}" type="datetimeFigureOut">
               <a:rPr lang="en-US" dirty="0"/>
               <a:pPr/>
-              <a:t>5/10/2019</a:t>
+              <a:t>5/14/2019</a:t>
             </a:fld>
             <a:endParaRPr lang="en-US" dirty="0"/>
           </a:p>
@@ -4251,7 +4256,7 @@
           <a:p>
             <a:fld id="{42A54C80-263E-416B-A8E0-580EDEADCBDC}" type="datetimeFigureOut">
               <a:rPr lang="en-US" dirty="0"/>
-              <a:t>5/10/2019</a:t>
+              <a:t>5/14/2019</a:t>
             </a:fld>
             <a:endParaRPr lang="en-US" dirty="0"/>
           </a:p>
@@ -4510,7 +4515,7 @@
             <a:fld id="{B61BEF0D-F0BB-DE4B-95CE-6DB70DBA9567}" type="datetimeFigureOut">
               <a:rPr lang="en-US" dirty="0"/>
               <a:pPr/>
-              <a:t>5/10/2019</a:t>
+              <a:t>5/14/2019</a:t>
             </a:fld>
             <a:endParaRPr lang="en-US" dirty="0"/>
           </a:p>
@@ -5250,7 +5255,7 @@
             <a:fld id="{B61BEF0D-F0BB-DE4B-95CE-6DB70DBA9567}" type="datetimeFigureOut">
               <a:rPr lang="en-US" dirty="0"/>
               <a:pPr/>
-              <a:t>5/10/2019</a:t>
+              <a:t>5/14/2019</a:t>
             </a:fld>
             <a:endParaRPr lang="en-US" dirty="0"/>
           </a:p>
@@ -5916,13 +5921,19 @@
           <a:p>
             <a:r>
               <a:rPr lang="en-US" dirty="0"/>
-              <a:t>Why are neural networks better than other models?</a:t>
+              <a:t>What are some key factors to consider when designing a neural network?</a:t>
             </a:r>
           </a:p>
           <a:p>
             <a:r>
               <a:rPr lang="en-US" dirty="0"/>
-              <a:t>What are the disadvantages of neural networks?</a:t>
+              <a:t>What are the advantages of neural networks?</a:t>
+            </a:r>
+          </a:p>
+          <a:p>
+            <a:r>
+              <a:rPr lang="en-US" dirty="0"/>
+              <a:t>What are the disadvantages of neural networks? </a:t>
             </a:r>
           </a:p>
         </p:txBody>
@@ -5981,29 +5992,9 @@
         </p:spPr>
         <p:txBody>
           <a:bodyPr>
-            <a:normAutofit lnSpcReduction="10000"/>
+            <a:normAutofit/>
           </a:bodyPr>
           <a:lstStyle/>
-          <a:p>
-            <a:pPr>
-              <a:buFont typeface="+mj-lt"/>
-              <a:buAutoNum type="arabicPeriod"/>
-            </a:pPr>
-            <a:r>
-              <a:rPr lang="en-US" dirty="0"/>
-              <a:t>Write a one-paragraph answer to the question</a:t>
-            </a:r>
-          </a:p>
-          <a:p>
-            <a:pPr lvl="1">
-              <a:buFont typeface="+mj-lt"/>
-              <a:buAutoNum type="arabicPeriod"/>
-            </a:pPr>
-            <a:r>
-              <a:rPr lang="en-US" dirty="0"/>
-              <a:t>Your audience is an interviewer with technical data science knowledge</a:t>
-            </a:r>
-          </a:p>
           <a:p>
             <a:pPr>
               <a:buFont typeface="+mj-lt"/>

--- a/Neural Network Interviews Slides.pptx
+++ b/Neural Network Interviews Slides.pptx
@@ -9929,7 +9929,7 @@
           <a:p>
             <a:r>
               <a:rPr lang="en-US" dirty="0"/>
-              <a:t>Refine one answer in groups (12 mins)</a:t>
+              <a:t>Refine one answer in groups (15 mins)</a:t>
             </a:r>
           </a:p>
         </p:txBody>
@@ -14161,7 +14161,7 @@
           <a:p>
             <a:r>
               <a:rPr lang="en-US" dirty="0"/>
-              <a:t>Conduct interviews in original pair/trio (12 mins)</a:t>
+              <a:t>Conduct interviews in original pair/trio (15 mins)</a:t>
             </a:r>
           </a:p>
         </p:txBody>
@@ -16730,7 +16730,7 @@
             </a:pPr>
             <a:r>
               <a:rPr lang="en-US" sz="2200" dirty="0"/>
-              <a:t>Work with the other pair/trio that worked on your question (12 mins)</a:t>
+              <a:t>Work with the other pair/trio that worked on your question (15 mins)</a:t>
             </a:r>
           </a:p>
           <a:p>
@@ -16750,15 +16750,19 @@
             </a:pPr>
             <a:r>
               <a:rPr lang="en-US" sz="2200" dirty="0"/>
-              <a:t>Practice interviews </a:t>
+              <a:t>Interviews </a:t>
             </a:r>
             <a:r>
               <a:rPr lang="en-US" sz="2200" i="1" u="sng" dirty="0"/>
-              <a:t>on all questions </a:t>
+              <a:t>on all questions</a:t>
+            </a:r>
+            <a:r>
+              <a:rPr lang="en-US" sz="2200" i="1" dirty="0"/>
+              <a:t> </a:t>
             </a:r>
             <a:r>
               <a:rPr lang="en-US" sz="2200" dirty="0"/>
-              <a:t>with your partner/trio (8 mins)</a:t>
+              <a:t>with your partner/trio (15 mins)</a:t>
             </a:r>
           </a:p>
           <a:p>
@@ -16768,7 +16772,7 @@
             </a:pPr>
             <a:r>
               <a:rPr lang="en-US" sz="2200" dirty="0"/>
-              <a:t>Reflection (5 mins)</a:t>
+              <a:t>Reflection (7 mins)</a:t>
             </a:r>
           </a:p>
           <a:p>
